--- a/docs/PPT/MusicStudio结题报告.pptx
+++ b/docs/PPT/MusicStudio结题报告.pptx
@@ -15,16 +15,17 @@
     <p:sldId id="259" r:id="rId9"/>
     <p:sldId id="266" r:id="rId10"/>
     <p:sldId id="271" r:id="rId11"/>
-    <p:sldId id="270" r:id="rId12"/>
-    <p:sldId id="272" r:id="rId13"/>
-    <p:sldId id="273" r:id="rId14"/>
-    <p:sldId id="274" r:id="rId15"/>
-    <p:sldId id="263" r:id="rId16"/>
+    <p:sldId id="275" r:id="rId12"/>
+    <p:sldId id="270" r:id="rId13"/>
+    <p:sldId id="272" r:id="rId14"/>
+    <p:sldId id="273" r:id="rId15"/>
+    <p:sldId id="274" r:id="rId16"/>
+    <p:sldId id="263" r:id="rId17"/>
   </p:sldIdLst>
   <p:sldSz cx="12192000" cy="6858000"/>
   <p:notesSz cx="6858000" cy="9144000"/>
   <p:custDataLst>
-    <p:tags r:id="rId17"/>
+    <p:tags r:id="rId18"/>
   </p:custDataLst>
   <p:defaultTextStyle>
     <a:defPPr>
@@ -5778,6 +5779,243 @@
           <a:p>
             <a:r>
               <a:rPr lang="zh-CN" altLang="en-US" b="1" dirty="0"/>
+              <a:t>音乐播放模块</a:t>
+            </a:r>
+          </a:p>
+        </p:txBody>
+      </p:sp>
+      <p:pic>
+        <p:nvPicPr>
+          <p:cNvPr id="1026" name="图片 12" descr="图片包含 文本&#10;&#10;描述已自动生成">
+            <a:extLst>
+              <a:ext uri="{FF2B5EF4-FFF2-40B4-BE49-F238E27FC236}">
+                <a16:creationId xmlns:a16="http://schemas.microsoft.com/office/drawing/2014/main" id="{A439389C-9EA2-2D2D-8141-E95FEA8285EC}"/>
+              </a:ext>
+            </a:extLst>
+          </p:cNvPr>
+          <p:cNvPicPr>
+            <a:picLocks noChangeAspect="1" noChangeArrowheads="1"/>
+          </p:cNvPicPr>
+          <p:nvPr/>
+        </p:nvPicPr>
+        <p:blipFill>
+          <a:blip r:embed="rId2" cstate="print">
+            <a:extLst>
+              <a:ext uri="{28A0092B-C50C-407E-A947-70E740481C1C}">
+                <a14:useLocalDpi xmlns:a14="http://schemas.microsoft.com/office/drawing/2010/main" val="0"/>
+              </a:ext>
+            </a:extLst>
+          </a:blip>
+          <a:srcRect/>
+          <a:stretch>
+            <a:fillRect/>
+          </a:stretch>
+        </p:blipFill>
+        <p:spPr bwMode="auto">
+          <a:xfrm>
+            <a:off x="2339229" y="1226759"/>
+            <a:ext cx="2288684" cy="4966013"/>
+          </a:xfrm>
+          <a:prstGeom prst="rect">
+            <a:avLst/>
+          </a:prstGeom>
+          <a:noFill/>
+          <a:ln>
+            <a:noFill/>
+          </a:ln>
+          <a:extLst>
+            <a:ext uri="{909E8E84-426E-40DD-AFC4-6F175D3DCCD1}">
+              <a14:hiddenFill xmlns:a14="http://schemas.microsoft.com/office/drawing/2010/main">
+                <a:solidFill>
+                  <a:srgbClr val="FFFFFF"/>
+                </a:solidFill>
+              </a14:hiddenFill>
+            </a:ext>
+            <a:ext uri="{91240B29-F687-4F45-9708-019B960494DF}">
+              <a14:hiddenLine xmlns:a14="http://schemas.microsoft.com/office/drawing/2010/main" w="9525">
+                <a:solidFill>
+                  <a:srgbClr val="000000"/>
+                </a:solidFill>
+                <a:miter lim="800000"/>
+                <a:headEnd/>
+                <a:tailEnd/>
+              </a14:hiddenLine>
+            </a:ext>
+          </a:extLst>
+        </p:spPr>
+      </p:pic>
+      <p:pic>
+        <p:nvPicPr>
+          <p:cNvPr id="1027" name="图片 13" descr="图形用户界面, 应用程序&#10;&#10;描述已自动生成">
+            <a:extLst>
+              <a:ext uri="{FF2B5EF4-FFF2-40B4-BE49-F238E27FC236}">
+                <a16:creationId xmlns:a16="http://schemas.microsoft.com/office/drawing/2014/main" id="{C3F2355E-38BF-B591-40CC-FC9969B20A2A}"/>
+              </a:ext>
+            </a:extLst>
+          </p:cNvPr>
+          <p:cNvPicPr>
+            <a:picLocks noChangeAspect="1" noChangeArrowheads="1"/>
+          </p:cNvPicPr>
+          <p:nvPr/>
+        </p:nvPicPr>
+        <p:blipFill>
+          <a:blip r:embed="rId3" cstate="print">
+            <a:extLst>
+              <a:ext uri="{28A0092B-C50C-407E-A947-70E740481C1C}">
+                <a14:useLocalDpi xmlns:a14="http://schemas.microsoft.com/office/drawing/2010/main" val="0"/>
+              </a:ext>
+            </a:extLst>
+          </a:blip>
+          <a:srcRect/>
+          <a:stretch>
+            <a:fillRect/>
+          </a:stretch>
+        </p:blipFill>
+        <p:spPr bwMode="auto">
+          <a:xfrm>
+            <a:off x="5543971" y="1226760"/>
+            <a:ext cx="2289899" cy="4966013"/>
+          </a:xfrm>
+          <a:prstGeom prst="rect">
+            <a:avLst/>
+          </a:prstGeom>
+          <a:noFill/>
+          <a:ln>
+            <a:noFill/>
+          </a:ln>
+          <a:extLst>
+            <a:ext uri="{909E8E84-426E-40DD-AFC4-6F175D3DCCD1}">
+              <a14:hiddenFill xmlns:a14="http://schemas.microsoft.com/office/drawing/2010/main">
+                <a:solidFill>
+                  <a:srgbClr val="FFFFFF"/>
+                </a:solidFill>
+              </a14:hiddenFill>
+            </a:ext>
+            <a:ext uri="{91240B29-F687-4F45-9708-019B960494DF}">
+              <a14:hiddenLine xmlns:a14="http://schemas.microsoft.com/office/drawing/2010/main" w="9525">
+                <a:solidFill>
+                  <a:srgbClr val="000000"/>
+                </a:solidFill>
+                <a:miter lim="800000"/>
+                <a:headEnd/>
+                <a:tailEnd/>
+              </a14:hiddenLine>
+            </a:ext>
+          </a:extLst>
+        </p:spPr>
+      </p:pic>
+      <p:pic>
+        <p:nvPicPr>
+          <p:cNvPr id="1028" name="图片 14" descr="文本&#10;&#10;描述已自动生成">
+            <a:extLst>
+              <a:ext uri="{FF2B5EF4-FFF2-40B4-BE49-F238E27FC236}">
+                <a16:creationId xmlns:a16="http://schemas.microsoft.com/office/drawing/2014/main" id="{61B5E21E-C6A2-FB20-ABB4-B1330940E115}"/>
+              </a:ext>
+            </a:extLst>
+          </p:cNvPr>
+          <p:cNvPicPr>
+            <a:picLocks noChangeAspect="1" noChangeArrowheads="1"/>
+          </p:cNvPicPr>
+          <p:nvPr/>
+        </p:nvPicPr>
+        <p:blipFill>
+          <a:blip r:embed="rId4" cstate="print">
+            <a:extLst>
+              <a:ext uri="{28A0092B-C50C-407E-A947-70E740481C1C}">
+                <a14:useLocalDpi xmlns:a14="http://schemas.microsoft.com/office/drawing/2010/main" val="0"/>
+              </a:ext>
+            </a:extLst>
+          </a:blip>
+          <a:srcRect/>
+          <a:stretch>
+            <a:fillRect/>
+          </a:stretch>
+        </p:blipFill>
+        <p:spPr bwMode="auto">
+          <a:xfrm>
+            <a:off x="8633197" y="1226760"/>
+            <a:ext cx="2286376" cy="4966013"/>
+          </a:xfrm>
+          <a:prstGeom prst="rect">
+            <a:avLst/>
+          </a:prstGeom>
+          <a:noFill/>
+          <a:ln>
+            <a:noFill/>
+          </a:ln>
+          <a:extLst>
+            <a:ext uri="{909E8E84-426E-40DD-AFC4-6F175D3DCCD1}">
+              <a14:hiddenFill xmlns:a14="http://schemas.microsoft.com/office/drawing/2010/main">
+                <a:solidFill>
+                  <a:srgbClr val="FFFFFF"/>
+                </a:solidFill>
+              </a14:hiddenFill>
+            </a:ext>
+            <a:ext uri="{91240B29-F687-4F45-9708-019B960494DF}">
+              <a14:hiddenLine xmlns:a14="http://schemas.microsoft.com/office/drawing/2010/main" w="9525">
+                <a:solidFill>
+                  <a:srgbClr val="000000"/>
+                </a:solidFill>
+                <a:miter lim="800000"/>
+                <a:headEnd/>
+                <a:tailEnd/>
+              </a14:hiddenLine>
+            </a:ext>
+          </a:extLst>
+        </p:spPr>
+      </p:pic>
+    </p:spTree>
+    <p:extLst>
+      <p:ext uri="{BB962C8B-B14F-4D97-AF65-F5344CB8AC3E}">
+        <p14:creationId xmlns:p14="http://schemas.microsoft.com/office/powerpoint/2010/main" val="3474654126"/>
+      </p:ext>
+    </p:extLst>
+  </p:cSld>
+  <p:clrMapOvr>
+    <a:masterClrMapping/>
+  </p:clrMapOvr>
+</p:sld>
+</file>
+
+<file path=ppt/slides/slide11.xml><?xml version="1.0" encoding="utf-8"?>
+<p:sld xmlns:a="http://schemas.openxmlformats.org/drawingml/2006/main" xmlns:r="http://schemas.openxmlformats.org/officeDocument/2006/relationships" xmlns:p="http://schemas.openxmlformats.org/presentationml/2006/main">
+  <p:cSld>
+    <p:spTree>
+      <p:nvGrpSpPr>
+        <p:cNvPr id="1" name=""/>
+        <p:cNvGrpSpPr/>
+        <p:nvPr/>
+      </p:nvGrpSpPr>
+      <p:grpSpPr>
+        <a:xfrm>
+          <a:off x="0" y="0"/>
+          <a:ext cx="0" cy="0"/>
+          <a:chOff x="0" y="0"/>
+          <a:chExt cx="0" cy="0"/>
+        </a:xfrm>
+      </p:grpSpPr>
+      <p:sp>
+        <p:nvSpPr>
+          <p:cNvPr id="2" name="标题 1"/>
+          <p:cNvSpPr>
+            <a:spLocks noGrp="1"/>
+          </p:cNvSpPr>
+          <p:nvPr>
+            <p:ph type="title"/>
+          </p:nvPr>
+        </p:nvSpPr>
+        <p:spPr>
+          <a:xfrm>
+            <a:off x="462915" y="121285"/>
+            <a:ext cx="10515600" cy="1325563"/>
+          </a:xfrm>
+        </p:spPr>
+        <p:txBody>
+          <a:bodyPr/>
+          <a:lstStyle/>
+          <a:p>
+            <a:r>
+              <a:rPr lang="zh-CN" altLang="en-US" b="1" dirty="0"/>
               <a:t>搜索模块</a:t>
             </a:r>
           </a:p>
@@ -5815,7 +6053,7 @@
 </p:sld>
 </file>
 
-<file path=ppt/slides/slide11.xml><?xml version="1.0" encoding="utf-8"?>
+<file path=ppt/slides/slide12.xml><?xml version="1.0" encoding="utf-8"?>
 <p:sld xmlns:a="http://schemas.openxmlformats.org/drawingml/2006/main" xmlns:r="http://schemas.openxmlformats.org/officeDocument/2006/relationships" xmlns:p="http://schemas.openxmlformats.org/presentationml/2006/main">
   <p:cSld>
     <p:spTree>
@@ -5891,7 +6129,7 @@
 </p:sld>
 </file>
 
-<file path=ppt/slides/slide12.xml><?xml version="1.0" encoding="utf-8"?>
+<file path=ppt/slides/slide13.xml><?xml version="1.0" encoding="utf-8"?>
 <p:sld xmlns:a="http://schemas.openxmlformats.org/drawingml/2006/main" xmlns:r="http://schemas.openxmlformats.org/officeDocument/2006/relationships" xmlns:p="http://schemas.openxmlformats.org/presentationml/2006/main">
   <p:cSld>
     <p:spTree>
@@ -6015,7 +6253,7 @@
 </p:sld>
 </file>
 
-<file path=ppt/slides/slide13.xml><?xml version="1.0" encoding="utf-8"?>
+<file path=ppt/slides/slide14.xml><?xml version="1.0" encoding="utf-8"?>
 <p:sld xmlns:a="http://schemas.openxmlformats.org/drawingml/2006/main" xmlns:r="http://schemas.openxmlformats.org/officeDocument/2006/relationships" xmlns:p="http://schemas.openxmlformats.org/presentationml/2006/main">
   <p:cSld>
     <p:spTree>
@@ -6139,7 +6377,7 @@
 </p:sld>
 </file>
 
-<file path=ppt/slides/slide14.xml><?xml version="1.0" encoding="utf-8"?>
+<file path=ppt/slides/slide15.xml><?xml version="1.0" encoding="utf-8"?>
 <p:sld xmlns:a="http://schemas.openxmlformats.org/drawingml/2006/main" xmlns:r="http://schemas.openxmlformats.org/officeDocument/2006/relationships" xmlns:p="http://schemas.openxmlformats.org/presentationml/2006/main">
   <p:cSld>
     <p:spTree>
